--- a/Informatika a mezőgazdaságban.pptx
+++ b/Informatika a mezőgazdaságban.pptx
@@ -6,6 +6,18 @@
   </p:sldMasterIdLst>
   <p:sldIdLst>
     <p:sldId id="256" r:id="rId2"/>
+    <p:sldId id="263" r:id="rId3"/>
+    <p:sldId id="264" r:id="rId4"/>
+    <p:sldId id="265" r:id="rId5"/>
+    <p:sldId id="259" r:id="rId6"/>
+    <p:sldId id="260" r:id="rId7"/>
+    <p:sldId id="261" r:id="rId8"/>
+    <p:sldId id="262" r:id="rId9"/>
+    <p:sldId id="266" r:id="rId10"/>
+    <p:sldId id="267" r:id="rId11"/>
+    <p:sldId id="268" r:id="rId12"/>
+    <p:sldId id="258" r:id="rId13"/>
+    <p:sldId id="257" r:id="rId14"/>
   </p:sldIdLst>
   <p:sldSz cx="12192000" cy="6858000"/>
   <p:notesSz cx="6858000" cy="9144000"/>
@@ -3004,13 +3016,9 @@
           <a:p>
             <a:r>
               <a:rPr lang="hu-HU" dirty="0" smtClean="0"/>
-              <a:t>Készítette: </a:t>
-            </a:r>
-            <a:r>
-              <a:rPr lang="hu-HU" smtClean="0"/>
-              <a:t>Beréti Zsófia</a:t>
-            </a:r>
-            <a:endParaRPr lang="hu-HU"/>
+              <a:t>Készítette: Beréti Zsófia</a:t>
+            </a:r>
+            <a:endParaRPr lang="hu-HU" dirty="0"/>
           </a:p>
         </p:txBody>
       </p:sp>
@@ -3018,6 +3026,904 @@
     <p:extLst>
       <p:ext uri="{BB962C8B-B14F-4D97-AF65-F5344CB8AC3E}">
         <p14:creationId xmlns:p14="http://schemas.microsoft.com/office/powerpoint/2010/main" val="430260891"/>
+      </p:ext>
+    </p:extLst>
+  </p:cSld>
+  <p:clrMapOvr>
+    <a:masterClrMapping/>
+  </p:clrMapOvr>
+</p:sld>
+</file>
+
+<file path=ppt/slides/slide10.xml><?xml version="1.0" encoding="utf-8"?>
+<p:sld xmlns:a="http://schemas.openxmlformats.org/drawingml/2006/main" xmlns:r="http://schemas.openxmlformats.org/officeDocument/2006/relationships" xmlns:p="http://schemas.openxmlformats.org/presentationml/2006/main">
+  <p:cSld>
+    <p:spTree>
+      <p:nvGrpSpPr>
+        <p:cNvPr id="1" name=""/>
+        <p:cNvGrpSpPr/>
+        <p:nvPr/>
+      </p:nvGrpSpPr>
+      <p:grpSpPr>
+        <a:xfrm>
+          <a:off x="0" y="0"/>
+          <a:ext cx="0" cy="0"/>
+          <a:chOff x="0" y="0"/>
+          <a:chExt cx="0" cy="0"/>
+        </a:xfrm>
+      </p:grpSpPr>
+      <p:sp>
+        <p:nvSpPr>
+          <p:cNvPr id="2" name="Cím 1"/>
+          <p:cNvSpPr>
+            <a:spLocks noGrp="1"/>
+          </p:cNvSpPr>
+          <p:nvPr>
+            <p:ph type="title"/>
+          </p:nvPr>
+        </p:nvSpPr>
+        <p:spPr/>
+        <p:txBody>
+          <a:bodyPr/>
+          <a:lstStyle/>
+          <a:p>
+            <a:endParaRPr lang="hu-HU"/>
+          </a:p>
+        </p:txBody>
+      </p:sp>
+      <p:sp>
+        <p:nvSpPr>
+          <p:cNvPr id="3" name="Tartalom helye 2"/>
+          <p:cNvSpPr>
+            <a:spLocks noGrp="1"/>
+          </p:cNvSpPr>
+          <p:nvPr>
+            <p:ph idx="1"/>
+          </p:nvPr>
+        </p:nvSpPr>
+        <p:spPr/>
+        <p:txBody>
+          <a:bodyPr/>
+          <a:lstStyle/>
+          <a:p>
+            <a:endParaRPr lang="hu-HU"/>
+          </a:p>
+        </p:txBody>
+      </p:sp>
+    </p:spTree>
+    <p:extLst>
+      <p:ext uri="{BB962C8B-B14F-4D97-AF65-F5344CB8AC3E}">
+        <p14:creationId xmlns:p14="http://schemas.microsoft.com/office/powerpoint/2010/main" val="1569070481"/>
+      </p:ext>
+    </p:extLst>
+  </p:cSld>
+  <p:clrMapOvr>
+    <a:masterClrMapping/>
+  </p:clrMapOvr>
+</p:sld>
+</file>
+
+<file path=ppt/slides/slide11.xml><?xml version="1.0" encoding="utf-8"?>
+<p:sld xmlns:a="http://schemas.openxmlformats.org/drawingml/2006/main" xmlns:r="http://schemas.openxmlformats.org/officeDocument/2006/relationships" xmlns:p="http://schemas.openxmlformats.org/presentationml/2006/main">
+  <p:cSld>
+    <p:spTree>
+      <p:nvGrpSpPr>
+        <p:cNvPr id="1" name=""/>
+        <p:cNvGrpSpPr/>
+        <p:nvPr/>
+      </p:nvGrpSpPr>
+      <p:grpSpPr>
+        <a:xfrm>
+          <a:off x="0" y="0"/>
+          <a:ext cx="0" cy="0"/>
+          <a:chOff x="0" y="0"/>
+          <a:chExt cx="0" cy="0"/>
+        </a:xfrm>
+      </p:grpSpPr>
+      <p:sp>
+        <p:nvSpPr>
+          <p:cNvPr id="2" name="Cím 1"/>
+          <p:cNvSpPr>
+            <a:spLocks noGrp="1"/>
+          </p:cNvSpPr>
+          <p:nvPr>
+            <p:ph type="title"/>
+          </p:nvPr>
+        </p:nvSpPr>
+        <p:spPr/>
+        <p:txBody>
+          <a:bodyPr/>
+          <a:lstStyle/>
+          <a:p>
+            <a:endParaRPr lang="hu-HU"/>
+          </a:p>
+        </p:txBody>
+      </p:sp>
+      <p:sp>
+        <p:nvSpPr>
+          <p:cNvPr id="3" name="Tartalom helye 2"/>
+          <p:cNvSpPr>
+            <a:spLocks noGrp="1"/>
+          </p:cNvSpPr>
+          <p:nvPr>
+            <p:ph idx="1"/>
+          </p:nvPr>
+        </p:nvSpPr>
+        <p:spPr/>
+        <p:txBody>
+          <a:bodyPr/>
+          <a:lstStyle/>
+          <a:p>
+            <a:endParaRPr lang="hu-HU"/>
+          </a:p>
+        </p:txBody>
+      </p:sp>
+    </p:spTree>
+    <p:extLst>
+      <p:ext uri="{BB962C8B-B14F-4D97-AF65-F5344CB8AC3E}">
+        <p14:creationId xmlns:p14="http://schemas.microsoft.com/office/powerpoint/2010/main" val="1266861064"/>
+      </p:ext>
+    </p:extLst>
+  </p:cSld>
+  <p:clrMapOvr>
+    <a:masterClrMapping/>
+  </p:clrMapOvr>
+</p:sld>
+</file>
+
+<file path=ppt/slides/slide12.xml><?xml version="1.0" encoding="utf-8"?>
+<p:sld xmlns:a="http://schemas.openxmlformats.org/drawingml/2006/main" xmlns:r="http://schemas.openxmlformats.org/officeDocument/2006/relationships" xmlns:p="http://schemas.openxmlformats.org/presentationml/2006/main">
+  <p:cSld>
+    <p:spTree>
+      <p:nvGrpSpPr>
+        <p:cNvPr id="1" name=""/>
+        <p:cNvGrpSpPr/>
+        <p:nvPr/>
+      </p:nvGrpSpPr>
+      <p:grpSpPr>
+        <a:xfrm>
+          <a:off x="0" y="0"/>
+          <a:ext cx="0" cy="0"/>
+          <a:chOff x="0" y="0"/>
+          <a:chExt cx="0" cy="0"/>
+        </a:xfrm>
+      </p:grpSpPr>
+      <p:sp>
+        <p:nvSpPr>
+          <p:cNvPr id="2" name="Cím 1"/>
+          <p:cNvSpPr>
+            <a:spLocks noGrp="1"/>
+          </p:cNvSpPr>
+          <p:nvPr>
+            <p:ph type="title"/>
+          </p:nvPr>
+        </p:nvSpPr>
+        <p:spPr>
+          <a:xfrm>
+            <a:off x="825500" y="2333625"/>
+            <a:ext cx="10515600" cy="1325563"/>
+          </a:xfrm>
+        </p:spPr>
+        <p:txBody>
+          <a:bodyPr/>
+          <a:lstStyle/>
+          <a:p>
+            <a:pPr algn="ctr"/>
+            <a:r>
+              <a:rPr lang="hu-HU" dirty="0" smtClean="0"/>
+              <a:t>Köszönöm a figyelmet!</a:t>
+            </a:r>
+            <a:endParaRPr lang="hu-HU" dirty="0"/>
+          </a:p>
+        </p:txBody>
+      </p:sp>
+    </p:spTree>
+    <p:extLst>
+      <p:ext uri="{BB962C8B-B14F-4D97-AF65-F5344CB8AC3E}">
+        <p14:creationId xmlns:p14="http://schemas.microsoft.com/office/powerpoint/2010/main" val="1553950707"/>
+      </p:ext>
+    </p:extLst>
+  </p:cSld>
+  <p:clrMapOvr>
+    <a:masterClrMapping/>
+  </p:clrMapOvr>
+</p:sld>
+</file>
+
+<file path=ppt/slides/slide13.xml><?xml version="1.0" encoding="utf-8"?>
+<p:sld xmlns:a="http://schemas.openxmlformats.org/drawingml/2006/main" xmlns:r="http://schemas.openxmlformats.org/officeDocument/2006/relationships" xmlns:p="http://schemas.openxmlformats.org/presentationml/2006/main">
+  <p:cSld>
+    <p:spTree>
+      <p:nvGrpSpPr>
+        <p:cNvPr id="1" name=""/>
+        <p:cNvGrpSpPr/>
+        <p:nvPr/>
+      </p:nvGrpSpPr>
+      <p:grpSpPr>
+        <a:xfrm>
+          <a:off x="0" y="0"/>
+          <a:ext cx="0" cy="0"/>
+          <a:chOff x="0" y="0"/>
+          <a:chExt cx="0" cy="0"/>
+        </a:xfrm>
+      </p:grpSpPr>
+      <p:sp>
+        <p:nvSpPr>
+          <p:cNvPr id="2" name="Cím 1"/>
+          <p:cNvSpPr>
+            <a:spLocks noGrp="1"/>
+          </p:cNvSpPr>
+          <p:nvPr>
+            <p:ph type="title"/>
+          </p:nvPr>
+        </p:nvSpPr>
+        <p:spPr/>
+        <p:txBody>
+          <a:bodyPr/>
+          <a:lstStyle/>
+          <a:p>
+            <a:r>
+              <a:rPr lang="hu-HU" dirty="0" smtClean="0"/>
+              <a:t>Források:</a:t>
+            </a:r>
+            <a:endParaRPr lang="hu-HU" dirty="0"/>
+          </a:p>
+        </p:txBody>
+      </p:sp>
+      <p:sp>
+        <p:nvSpPr>
+          <p:cNvPr id="3" name="Tartalom helye 2"/>
+          <p:cNvSpPr>
+            <a:spLocks noGrp="1"/>
+          </p:cNvSpPr>
+          <p:nvPr>
+            <p:ph idx="1"/>
+          </p:nvPr>
+        </p:nvSpPr>
+        <p:spPr/>
+        <p:txBody>
+          <a:bodyPr/>
+          <a:lstStyle/>
+          <a:p>
+            <a:r>
+              <a:rPr lang="hu-HU" dirty="0" smtClean="0">
+                <a:hlinkClick r:id="rId2"/>
+              </a:rPr>
+              <a:t>https://mfor.hu/cikkek/befektetes/az-informatika-a-mezogazdasag-jovoje-nagyon-sok-mulhat-rajta.html</a:t>
+            </a:r>
+            <a:endParaRPr lang="hu-HU" dirty="0" smtClean="0"/>
+          </a:p>
+          <a:p>
+            <a:r>
+              <a:rPr lang="hu-HU" dirty="0" smtClean="0">
+                <a:hlinkClick r:id="rId3"/>
+              </a:rPr>
+              <a:t>https://infobex.hu/hirek/cyber-mezogazdasag-az-it-terhoditasa-az-agrikulturaban/hu</a:t>
+            </a:r>
+            <a:endParaRPr lang="hu-HU" dirty="0" smtClean="0"/>
+          </a:p>
+          <a:p>
+            <a:r>
+              <a:rPr lang="hu-HU" dirty="0" smtClean="0">
+                <a:hlinkClick r:id="rId4"/>
+              </a:rPr>
+              <a:t>https://agrarium7.hu/cikkek/2064-informatika-az-agrariumban</a:t>
+            </a:r>
+            <a:endParaRPr lang="hu-HU" dirty="0" smtClean="0"/>
+          </a:p>
+          <a:p>
+            <a:r>
+              <a:rPr lang="hu-HU" dirty="0" smtClean="0">
+                <a:hlinkClick r:id="rId5"/>
+              </a:rPr>
+              <a:t>https://innoskart.digital/innoskart_magazin/informatika-az-allattenyesztesben-agrarmernok-az-informatikusok-kozott/</a:t>
+            </a:r>
+            <a:endParaRPr lang="hu-HU" dirty="0" smtClean="0"/>
+          </a:p>
+          <a:p>
+            <a:r>
+              <a:rPr lang="hu-HU" dirty="0" smtClean="0">
+                <a:hlinkClick r:id="rId6"/>
+              </a:rPr>
+              <a:t>https://www.youtube.com/watch?v=1evSfdmUw34</a:t>
+            </a:r>
+            <a:endParaRPr lang="hu-HU" dirty="0" smtClean="0"/>
+          </a:p>
+          <a:p>
+            <a:r>
+              <a:rPr lang="hu-HU" dirty="0" smtClean="0"/>
+              <a:t>https://www.youtube.com/watch?v=xMt2mgYFwVc</a:t>
+            </a:r>
+          </a:p>
+          <a:p>
+            <a:endParaRPr lang="hu-HU" dirty="0"/>
+          </a:p>
+        </p:txBody>
+      </p:sp>
+    </p:spTree>
+    <p:extLst>
+      <p:ext uri="{BB962C8B-B14F-4D97-AF65-F5344CB8AC3E}">
+        <p14:creationId xmlns:p14="http://schemas.microsoft.com/office/powerpoint/2010/main" val="748528826"/>
+      </p:ext>
+    </p:extLst>
+  </p:cSld>
+  <p:clrMapOvr>
+    <a:masterClrMapping/>
+  </p:clrMapOvr>
+</p:sld>
+</file>
+
+<file path=ppt/slides/slide2.xml><?xml version="1.0" encoding="utf-8"?>
+<p:sld xmlns:a="http://schemas.openxmlformats.org/drawingml/2006/main" xmlns:r="http://schemas.openxmlformats.org/officeDocument/2006/relationships" xmlns:p="http://schemas.openxmlformats.org/presentationml/2006/main">
+  <p:cSld>
+    <p:spTree>
+      <p:nvGrpSpPr>
+        <p:cNvPr id="1" name=""/>
+        <p:cNvGrpSpPr/>
+        <p:nvPr/>
+      </p:nvGrpSpPr>
+      <p:grpSpPr>
+        <a:xfrm>
+          <a:off x="0" y="0"/>
+          <a:ext cx="0" cy="0"/>
+          <a:chOff x="0" y="0"/>
+          <a:chExt cx="0" cy="0"/>
+        </a:xfrm>
+      </p:grpSpPr>
+      <p:sp>
+        <p:nvSpPr>
+          <p:cNvPr id="2" name="Cím 1"/>
+          <p:cNvSpPr>
+            <a:spLocks noGrp="1"/>
+          </p:cNvSpPr>
+          <p:nvPr>
+            <p:ph type="title"/>
+          </p:nvPr>
+        </p:nvSpPr>
+        <p:spPr/>
+        <p:txBody>
+          <a:bodyPr/>
+          <a:lstStyle/>
+          <a:p>
+            <a:r>
+              <a:rPr lang="hu-HU" dirty="0" err="1" smtClean="0"/>
+              <a:t>Cyber</a:t>
+            </a:r>
+            <a:r>
+              <a:rPr lang="hu-HU" dirty="0" smtClean="0"/>
+              <a:t> mezőgazdaság</a:t>
+            </a:r>
+            <a:endParaRPr lang="hu-HU" dirty="0"/>
+          </a:p>
+        </p:txBody>
+      </p:sp>
+      <p:sp>
+        <p:nvSpPr>
+          <p:cNvPr id="3" name="Tartalom helye 2"/>
+          <p:cNvSpPr>
+            <a:spLocks noGrp="1"/>
+          </p:cNvSpPr>
+          <p:nvPr>
+            <p:ph idx="1"/>
+          </p:nvPr>
+        </p:nvSpPr>
+        <p:spPr/>
+        <p:txBody>
+          <a:bodyPr/>
+          <a:lstStyle/>
+          <a:p>
+            <a:endParaRPr lang="hu-HU"/>
+          </a:p>
+        </p:txBody>
+      </p:sp>
+    </p:spTree>
+    <p:extLst>
+      <p:ext uri="{BB962C8B-B14F-4D97-AF65-F5344CB8AC3E}">
+        <p14:creationId xmlns:p14="http://schemas.microsoft.com/office/powerpoint/2010/main" val="3871381555"/>
+      </p:ext>
+    </p:extLst>
+  </p:cSld>
+  <p:clrMapOvr>
+    <a:masterClrMapping/>
+  </p:clrMapOvr>
+</p:sld>
+</file>
+
+<file path=ppt/slides/slide3.xml><?xml version="1.0" encoding="utf-8"?>
+<p:sld xmlns:a="http://schemas.openxmlformats.org/drawingml/2006/main" xmlns:r="http://schemas.openxmlformats.org/officeDocument/2006/relationships" xmlns:p="http://schemas.openxmlformats.org/presentationml/2006/main">
+  <p:cSld>
+    <p:spTree>
+      <p:nvGrpSpPr>
+        <p:cNvPr id="1" name=""/>
+        <p:cNvGrpSpPr/>
+        <p:nvPr/>
+      </p:nvGrpSpPr>
+      <p:grpSpPr>
+        <a:xfrm>
+          <a:off x="0" y="0"/>
+          <a:ext cx="0" cy="0"/>
+          <a:chOff x="0" y="0"/>
+          <a:chExt cx="0" cy="0"/>
+        </a:xfrm>
+      </p:grpSpPr>
+      <p:sp>
+        <p:nvSpPr>
+          <p:cNvPr id="2" name="Cím 1"/>
+          <p:cNvSpPr>
+            <a:spLocks noGrp="1"/>
+          </p:cNvSpPr>
+          <p:nvPr>
+            <p:ph type="title"/>
+          </p:nvPr>
+        </p:nvSpPr>
+        <p:spPr/>
+        <p:txBody>
+          <a:bodyPr/>
+          <a:lstStyle/>
+          <a:p>
+            <a:r>
+              <a:rPr lang="hu-HU" dirty="0" smtClean="0"/>
+              <a:t>jövő</a:t>
+            </a:r>
+            <a:endParaRPr lang="hu-HU" dirty="0"/>
+          </a:p>
+        </p:txBody>
+      </p:sp>
+      <p:sp>
+        <p:nvSpPr>
+          <p:cNvPr id="3" name="Tartalom helye 2"/>
+          <p:cNvSpPr>
+            <a:spLocks noGrp="1"/>
+          </p:cNvSpPr>
+          <p:nvPr>
+            <p:ph idx="1"/>
+          </p:nvPr>
+        </p:nvSpPr>
+        <p:spPr/>
+        <p:txBody>
+          <a:bodyPr/>
+          <a:lstStyle/>
+          <a:p>
+            <a:endParaRPr lang="hu-HU"/>
+          </a:p>
+        </p:txBody>
+      </p:sp>
+    </p:spTree>
+    <p:extLst>
+      <p:ext uri="{BB962C8B-B14F-4D97-AF65-F5344CB8AC3E}">
+        <p14:creationId xmlns:p14="http://schemas.microsoft.com/office/powerpoint/2010/main" val="1534752807"/>
+      </p:ext>
+    </p:extLst>
+  </p:cSld>
+  <p:clrMapOvr>
+    <a:masterClrMapping/>
+  </p:clrMapOvr>
+</p:sld>
+</file>
+
+<file path=ppt/slides/slide4.xml><?xml version="1.0" encoding="utf-8"?>
+<p:sld xmlns:a="http://schemas.openxmlformats.org/drawingml/2006/main" xmlns:r="http://schemas.openxmlformats.org/officeDocument/2006/relationships" xmlns:p="http://schemas.openxmlformats.org/presentationml/2006/main">
+  <p:cSld>
+    <p:spTree>
+      <p:nvGrpSpPr>
+        <p:cNvPr id="1" name=""/>
+        <p:cNvGrpSpPr/>
+        <p:nvPr/>
+      </p:nvGrpSpPr>
+      <p:grpSpPr>
+        <a:xfrm>
+          <a:off x="0" y="0"/>
+          <a:ext cx="0" cy="0"/>
+          <a:chOff x="0" y="0"/>
+          <a:chExt cx="0" cy="0"/>
+        </a:xfrm>
+      </p:grpSpPr>
+      <p:sp>
+        <p:nvSpPr>
+          <p:cNvPr id="2" name="Cím 1"/>
+          <p:cNvSpPr>
+            <a:spLocks noGrp="1"/>
+          </p:cNvSpPr>
+          <p:nvPr>
+            <p:ph type="title"/>
+          </p:nvPr>
+        </p:nvSpPr>
+        <p:spPr/>
+        <p:txBody>
+          <a:bodyPr/>
+          <a:lstStyle/>
+          <a:p>
+            <a:r>
+              <a:rPr lang="hu-HU" dirty="0" smtClean="0"/>
+              <a:t>előnyök</a:t>
+            </a:r>
+            <a:endParaRPr lang="hu-HU" dirty="0"/>
+          </a:p>
+        </p:txBody>
+      </p:sp>
+      <p:sp>
+        <p:nvSpPr>
+          <p:cNvPr id="3" name="Tartalom helye 2"/>
+          <p:cNvSpPr>
+            <a:spLocks noGrp="1"/>
+          </p:cNvSpPr>
+          <p:nvPr>
+            <p:ph idx="1"/>
+          </p:nvPr>
+        </p:nvSpPr>
+        <p:spPr/>
+        <p:txBody>
+          <a:bodyPr/>
+          <a:lstStyle/>
+          <a:p>
+            <a:endParaRPr lang="hu-HU"/>
+          </a:p>
+        </p:txBody>
+      </p:sp>
+    </p:spTree>
+    <p:extLst>
+      <p:ext uri="{BB962C8B-B14F-4D97-AF65-F5344CB8AC3E}">
+        <p14:creationId xmlns:p14="http://schemas.microsoft.com/office/powerpoint/2010/main" val="1090985734"/>
+      </p:ext>
+    </p:extLst>
+  </p:cSld>
+  <p:clrMapOvr>
+    <a:masterClrMapping/>
+  </p:clrMapOvr>
+</p:sld>
+</file>
+
+<file path=ppt/slides/slide5.xml><?xml version="1.0" encoding="utf-8"?>
+<p:sld xmlns:a="http://schemas.openxmlformats.org/drawingml/2006/main" xmlns:r="http://schemas.openxmlformats.org/officeDocument/2006/relationships" xmlns:p="http://schemas.openxmlformats.org/presentationml/2006/main">
+  <p:cSld>
+    <p:spTree>
+      <p:nvGrpSpPr>
+        <p:cNvPr id="1" name=""/>
+        <p:cNvGrpSpPr/>
+        <p:nvPr/>
+      </p:nvGrpSpPr>
+      <p:grpSpPr>
+        <a:xfrm>
+          <a:off x="0" y="0"/>
+          <a:ext cx="0" cy="0"/>
+          <a:chOff x="0" y="0"/>
+          <a:chExt cx="0" cy="0"/>
+        </a:xfrm>
+      </p:grpSpPr>
+      <p:sp>
+        <p:nvSpPr>
+          <p:cNvPr id="2" name="Cím 1"/>
+          <p:cNvSpPr>
+            <a:spLocks noGrp="1"/>
+          </p:cNvSpPr>
+          <p:nvPr>
+            <p:ph type="title"/>
+          </p:nvPr>
+        </p:nvSpPr>
+        <p:spPr/>
+        <p:txBody>
+          <a:bodyPr/>
+          <a:lstStyle/>
+          <a:p>
+            <a:r>
+              <a:rPr lang="hu-HU" b="1" dirty="0" err="1"/>
+              <a:t>Cloud</a:t>
+            </a:r>
+            <a:r>
+              <a:rPr lang="hu-HU" b="1" dirty="0"/>
+              <a:t> (felhő) technológia</a:t>
+            </a:r>
+            <a:endParaRPr lang="hu-HU" dirty="0"/>
+          </a:p>
+        </p:txBody>
+      </p:sp>
+      <p:sp>
+        <p:nvSpPr>
+          <p:cNvPr id="3" name="Tartalom helye 2"/>
+          <p:cNvSpPr>
+            <a:spLocks noGrp="1"/>
+          </p:cNvSpPr>
+          <p:nvPr>
+            <p:ph idx="1"/>
+          </p:nvPr>
+        </p:nvSpPr>
+        <p:spPr/>
+        <p:txBody>
+          <a:bodyPr/>
+          <a:lstStyle/>
+          <a:p>
+            <a:endParaRPr lang="hu-HU"/>
+          </a:p>
+        </p:txBody>
+      </p:sp>
+    </p:spTree>
+    <p:extLst>
+      <p:ext uri="{BB962C8B-B14F-4D97-AF65-F5344CB8AC3E}">
+        <p14:creationId xmlns:p14="http://schemas.microsoft.com/office/powerpoint/2010/main" val="1530410974"/>
+      </p:ext>
+    </p:extLst>
+  </p:cSld>
+  <p:clrMapOvr>
+    <a:masterClrMapping/>
+  </p:clrMapOvr>
+</p:sld>
+</file>
+
+<file path=ppt/slides/slide6.xml><?xml version="1.0" encoding="utf-8"?>
+<p:sld xmlns:a="http://schemas.openxmlformats.org/drawingml/2006/main" xmlns:r="http://schemas.openxmlformats.org/officeDocument/2006/relationships" xmlns:p="http://schemas.openxmlformats.org/presentationml/2006/main">
+  <p:cSld>
+    <p:spTree>
+      <p:nvGrpSpPr>
+        <p:cNvPr id="1" name=""/>
+        <p:cNvGrpSpPr/>
+        <p:nvPr/>
+      </p:nvGrpSpPr>
+      <p:grpSpPr>
+        <a:xfrm>
+          <a:off x="0" y="0"/>
+          <a:ext cx="0" cy="0"/>
+          <a:chOff x="0" y="0"/>
+          <a:chExt cx="0" cy="0"/>
+        </a:xfrm>
+      </p:grpSpPr>
+      <p:sp>
+        <p:nvSpPr>
+          <p:cNvPr id="2" name="Cím 1"/>
+          <p:cNvSpPr>
+            <a:spLocks noGrp="1"/>
+          </p:cNvSpPr>
+          <p:nvPr>
+            <p:ph type="title"/>
+          </p:nvPr>
+        </p:nvSpPr>
+        <p:spPr/>
+        <p:txBody>
+          <a:bodyPr/>
+          <a:lstStyle/>
+          <a:p>
+            <a:r>
+              <a:rPr lang="hu-HU" b="1" dirty="0"/>
+              <a:t>precíziós gazdálkodás</a:t>
+            </a:r>
+            <a:endParaRPr lang="hu-HU" dirty="0"/>
+          </a:p>
+        </p:txBody>
+      </p:sp>
+      <p:sp>
+        <p:nvSpPr>
+          <p:cNvPr id="3" name="Tartalom helye 2"/>
+          <p:cNvSpPr>
+            <a:spLocks noGrp="1"/>
+          </p:cNvSpPr>
+          <p:nvPr>
+            <p:ph idx="1"/>
+          </p:nvPr>
+        </p:nvSpPr>
+        <p:spPr/>
+        <p:txBody>
+          <a:bodyPr/>
+          <a:lstStyle/>
+          <a:p>
+            <a:endParaRPr lang="hu-HU"/>
+          </a:p>
+        </p:txBody>
+      </p:sp>
+    </p:spTree>
+    <p:extLst>
+      <p:ext uri="{BB962C8B-B14F-4D97-AF65-F5344CB8AC3E}">
+        <p14:creationId xmlns:p14="http://schemas.microsoft.com/office/powerpoint/2010/main" val="2147821922"/>
+      </p:ext>
+    </p:extLst>
+  </p:cSld>
+  <p:clrMapOvr>
+    <a:masterClrMapping/>
+  </p:clrMapOvr>
+</p:sld>
+</file>
+
+<file path=ppt/slides/slide7.xml><?xml version="1.0" encoding="utf-8"?>
+<p:sld xmlns:a="http://schemas.openxmlformats.org/drawingml/2006/main" xmlns:r="http://schemas.openxmlformats.org/officeDocument/2006/relationships" xmlns:p="http://schemas.openxmlformats.org/presentationml/2006/main">
+  <p:cSld>
+    <p:spTree>
+      <p:nvGrpSpPr>
+        <p:cNvPr id="1" name=""/>
+        <p:cNvGrpSpPr/>
+        <p:nvPr/>
+      </p:nvGrpSpPr>
+      <p:grpSpPr>
+        <a:xfrm>
+          <a:off x="0" y="0"/>
+          <a:ext cx="0" cy="0"/>
+          <a:chOff x="0" y="0"/>
+          <a:chExt cx="0" cy="0"/>
+        </a:xfrm>
+      </p:grpSpPr>
+      <p:sp>
+        <p:nvSpPr>
+          <p:cNvPr id="2" name="Cím 1"/>
+          <p:cNvSpPr>
+            <a:spLocks noGrp="1"/>
+          </p:cNvSpPr>
+          <p:nvPr>
+            <p:ph type="title"/>
+          </p:nvPr>
+        </p:nvSpPr>
+        <p:spPr/>
+        <p:txBody>
+          <a:bodyPr/>
+          <a:lstStyle/>
+          <a:p>
+            <a:r>
+              <a:rPr lang="hu-HU" b="1" dirty="0"/>
+              <a:t>GPS rendszerek</a:t>
+            </a:r>
+            <a:endParaRPr lang="hu-HU" dirty="0"/>
+          </a:p>
+        </p:txBody>
+      </p:sp>
+      <p:sp>
+        <p:nvSpPr>
+          <p:cNvPr id="3" name="Tartalom helye 2"/>
+          <p:cNvSpPr>
+            <a:spLocks noGrp="1"/>
+          </p:cNvSpPr>
+          <p:nvPr>
+            <p:ph idx="1"/>
+          </p:nvPr>
+        </p:nvSpPr>
+        <p:spPr/>
+        <p:txBody>
+          <a:bodyPr/>
+          <a:lstStyle/>
+          <a:p>
+            <a:endParaRPr lang="hu-HU"/>
+          </a:p>
+        </p:txBody>
+      </p:sp>
+    </p:spTree>
+    <p:extLst>
+      <p:ext uri="{BB962C8B-B14F-4D97-AF65-F5344CB8AC3E}">
+        <p14:creationId xmlns:p14="http://schemas.microsoft.com/office/powerpoint/2010/main" val="3910555700"/>
+      </p:ext>
+    </p:extLst>
+  </p:cSld>
+  <p:clrMapOvr>
+    <a:masterClrMapping/>
+  </p:clrMapOvr>
+</p:sld>
+</file>
+
+<file path=ppt/slides/slide8.xml><?xml version="1.0" encoding="utf-8"?>
+<p:sld xmlns:a="http://schemas.openxmlformats.org/drawingml/2006/main" xmlns:r="http://schemas.openxmlformats.org/officeDocument/2006/relationships" xmlns:p="http://schemas.openxmlformats.org/presentationml/2006/main">
+  <p:cSld>
+    <p:spTree>
+      <p:nvGrpSpPr>
+        <p:cNvPr id="1" name=""/>
+        <p:cNvGrpSpPr/>
+        <p:nvPr/>
+      </p:nvGrpSpPr>
+      <p:grpSpPr>
+        <a:xfrm>
+          <a:off x="0" y="0"/>
+          <a:ext cx="0" cy="0"/>
+          <a:chOff x="0" y="0"/>
+          <a:chExt cx="0" cy="0"/>
+        </a:xfrm>
+      </p:grpSpPr>
+      <p:sp>
+        <p:nvSpPr>
+          <p:cNvPr id="2" name="Cím 1"/>
+          <p:cNvSpPr>
+            <a:spLocks noGrp="1"/>
+          </p:cNvSpPr>
+          <p:nvPr>
+            <p:ph type="title"/>
+          </p:nvPr>
+        </p:nvSpPr>
+        <p:spPr/>
+        <p:txBody>
+          <a:bodyPr/>
+          <a:lstStyle/>
+          <a:p>
+            <a:r>
+              <a:rPr lang="hu-HU" b="1" dirty="0"/>
+              <a:t>távérzékelés</a:t>
+            </a:r>
+            <a:endParaRPr lang="hu-HU" dirty="0"/>
+          </a:p>
+        </p:txBody>
+      </p:sp>
+      <p:sp>
+        <p:nvSpPr>
+          <p:cNvPr id="3" name="Tartalom helye 2"/>
+          <p:cNvSpPr>
+            <a:spLocks noGrp="1"/>
+          </p:cNvSpPr>
+          <p:nvPr>
+            <p:ph idx="1"/>
+          </p:nvPr>
+        </p:nvSpPr>
+        <p:spPr/>
+        <p:txBody>
+          <a:bodyPr/>
+          <a:lstStyle/>
+          <a:p>
+            <a:endParaRPr lang="hu-HU"/>
+          </a:p>
+        </p:txBody>
+      </p:sp>
+    </p:spTree>
+    <p:extLst>
+      <p:ext uri="{BB962C8B-B14F-4D97-AF65-F5344CB8AC3E}">
+        <p14:creationId xmlns:p14="http://schemas.microsoft.com/office/powerpoint/2010/main" val="3743391647"/>
+      </p:ext>
+    </p:extLst>
+  </p:cSld>
+  <p:clrMapOvr>
+    <a:masterClrMapping/>
+  </p:clrMapOvr>
+</p:sld>
+</file>
+
+<file path=ppt/slides/slide9.xml><?xml version="1.0" encoding="utf-8"?>
+<p:sld xmlns:a="http://schemas.openxmlformats.org/drawingml/2006/main" xmlns:r="http://schemas.openxmlformats.org/officeDocument/2006/relationships" xmlns:p="http://schemas.openxmlformats.org/presentationml/2006/main">
+  <p:cSld>
+    <p:spTree>
+      <p:nvGrpSpPr>
+        <p:cNvPr id="1" name=""/>
+        <p:cNvGrpSpPr/>
+        <p:nvPr/>
+      </p:nvGrpSpPr>
+      <p:grpSpPr>
+        <a:xfrm>
+          <a:off x="0" y="0"/>
+          <a:ext cx="0" cy="0"/>
+          <a:chOff x="0" y="0"/>
+          <a:chExt cx="0" cy="0"/>
+        </a:xfrm>
+      </p:grpSpPr>
+      <p:sp>
+        <p:nvSpPr>
+          <p:cNvPr id="2" name="Cím 1"/>
+          <p:cNvSpPr>
+            <a:spLocks noGrp="1"/>
+          </p:cNvSpPr>
+          <p:nvPr>
+            <p:ph type="title"/>
+          </p:nvPr>
+        </p:nvSpPr>
+        <p:spPr/>
+        <p:txBody>
+          <a:bodyPr/>
+          <a:lstStyle/>
+          <a:p>
+            <a:endParaRPr lang="hu-HU"/>
+          </a:p>
+        </p:txBody>
+      </p:sp>
+      <p:sp>
+        <p:nvSpPr>
+          <p:cNvPr id="3" name="Tartalom helye 2"/>
+          <p:cNvSpPr>
+            <a:spLocks noGrp="1"/>
+          </p:cNvSpPr>
+          <p:nvPr>
+            <p:ph idx="1"/>
+          </p:nvPr>
+        </p:nvSpPr>
+        <p:spPr/>
+        <p:txBody>
+          <a:bodyPr/>
+          <a:lstStyle/>
+          <a:p>
+            <a:endParaRPr lang="hu-HU"/>
+          </a:p>
+        </p:txBody>
+      </p:sp>
+    </p:spTree>
+    <p:extLst>
+      <p:ext uri="{BB962C8B-B14F-4D97-AF65-F5344CB8AC3E}">
+        <p14:creationId xmlns:p14="http://schemas.microsoft.com/office/powerpoint/2010/main" val="3091302941"/>
       </p:ext>
     </p:extLst>
   </p:cSld>

--- a/Informatika a mezőgazdaságban.pptx
+++ b/Informatika a mezőgazdaságban.pptx
@@ -13,11 +13,12 @@
     <p:sldId id="260" r:id="rId7"/>
     <p:sldId id="261" r:id="rId8"/>
     <p:sldId id="262" r:id="rId9"/>
-    <p:sldId id="266" r:id="rId10"/>
-    <p:sldId id="267" r:id="rId11"/>
-    <p:sldId id="268" r:id="rId12"/>
-    <p:sldId id="258" r:id="rId13"/>
-    <p:sldId id="257" r:id="rId14"/>
+    <p:sldId id="269" r:id="rId10"/>
+    <p:sldId id="266" r:id="rId11"/>
+    <p:sldId id="267" r:id="rId12"/>
+    <p:sldId id="268" r:id="rId13"/>
+    <p:sldId id="258" r:id="rId14"/>
+    <p:sldId id="257" r:id="rId15"/>
   </p:sldIdLst>
   <p:sldSz cx="12192000" cy="6858000"/>
   <p:notesSz cx="6858000" cy="9144000"/>
@@ -116,6 +117,11 @@
       </a:defRPr>
     </a:lvl9pPr>
   </p:defaultTextStyle>
+  <p:extLst>
+    <p:ext uri="{EFAFB233-063F-42B5-8137-9DF3F51BA10A}">
+      <p15:sldGuideLst xmlns:p15="http://schemas.microsoft.com/office/powerpoint/2012/main"/>
+    </p:ext>
+  </p:extLst>
 </p:presentation>
 </file>
 
@@ -250,7 +256,7 @@
           <a:p>
             <a:fld id="{E4A3C1E0-FAC8-41A4-85FD-2F7F2B91EDF1}" type="datetimeFigureOut">
               <a:rPr lang="hu-HU" smtClean="0"/>
-              <a:t>2022.09.12.</a:t>
+              <a:t>2022.09.13.</a:t>
             </a:fld>
             <a:endParaRPr lang="hu-HU"/>
           </a:p>
@@ -420,7 +426,7 @@
           <a:p>
             <a:fld id="{E4A3C1E0-FAC8-41A4-85FD-2F7F2B91EDF1}" type="datetimeFigureOut">
               <a:rPr lang="hu-HU" smtClean="0"/>
-              <a:t>2022.09.12.</a:t>
+              <a:t>2022.09.13.</a:t>
             </a:fld>
             <a:endParaRPr lang="hu-HU"/>
           </a:p>
@@ -600,7 +606,7 @@
           <a:p>
             <a:fld id="{E4A3C1E0-FAC8-41A4-85FD-2F7F2B91EDF1}" type="datetimeFigureOut">
               <a:rPr lang="hu-HU" smtClean="0"/>
-              <a:t>2022.09.12.</a:t>
+              <a:t>2022.09.13.</a:t>
             </a:fld>
             <a:endParaRPr lang="hu-HU"/>
           </a:p>
@@ -770,7 +776,7 @@
           <a:p>
             <a:fld id="{E4A3C1E0-FAC8-41A4-85FD-2F7F2B91EDF1}" type="datetimeFigureOut">
               <a:rPr lang="hu-HU" smtClean="0"/>
-              <a:t>2022.09.12.</a:t>
+              <a:t>2022.09.13.</a:t>
             </a:fld>
             <a:endParaRPr lang="hu-HU"/>
           </a:p>
@@ -1016,7 +1022,7 @@
           <a:p>
             <a:fld id="{E4A3C1E0-FAC8-41A4-85FD-2F7F2B91EDF1}" type="datetimeFigureOut">
               <a:rPr lang="hu-HU" smtClean="0"/>
-              <a:t>2022.09.12.</a:t>
+              <a:t>2022.09.13.</a:t>
             </a:fld>
             <a:endParaRPr lang="hu-HU"/>
           </a:p>
@@ -1248,7 +1254,7 @@
           <a:p>
             <a:fld id="{E4A3C1E0-FAC8-41A4-85FD-2F7F2B91EDF1}" type="datetimeFigureOut">
               <a:rPr lang="hu-HU" smtClean="0"/>
-              <a:t>2022.09.12.</a:t>
+              <a:t>2022.09.13.</a:t>
             </a:fld>
             <a:endParaRPr lang="hu-HU"/>
           </a:p>
@@ -1615,7 +1621,7 @@
           <a:p>
             <a:fld id="{E4A3C1E0-FAC8-41A4-85FD-2F7F2B91EDF1}" type="datetimeFigureOut">
               <a:rPr lang="hu-HU" smtClean="0"/>
-              <a:t>2022.09.12.</a:t>
+              <a:t>2022.09.13.</a:t>
             </a:fld>
             <a:endParaRPr lang="hu-HU"/>
           </a:p>
@@ -1733,7 +1739,7 @@
           <a:p>
             <a:fld id="{E4A3C1E0-FAC8-41A4-85FD-2F7F2B91EDF1}" type="datetimeFigureOut">
               <a:rPr lang="hu-HU" smtClean="0"/>
-              <a:t>2022.09.12.</a:t>
+              <a:t>2022.09.13.</a:t>
             </a:fld>
             <a:endParaRPr lang="hu-HU"/>
           </a:p>
@@ -1828,7 +1834,7 @@
           <a:p>
             <a:fld id="{E4A3C1E0-FAC8-41A4-85FD-2F7F2B91EDF1}" type="datetimeFigureOut">
               <a:rPr lang="hu-HU" smtClean="0"/>
-              <a:t>2022.09.12.</a:t>
+              <a:t>2022.09.13.</a:t>
             </a:fld>
             <a:endParaRPr lang="hu-HU"/>
           </a:p>
@@ -2105,7 +2111,7 @@
           <a:p>
             <a:fld id="{E4A3C1E0-FAC8-41A4-85FD-2F7F2B91EDF1}" type="datetimeFigureOut">
               <a:rPr lang="hu-HU" smtClean="0"/>
-              <a:t>2022.09.12.</a:t>
+              <a:t>2022.09.13.</a:t>
             </a:fld>
             <a:endParaRPr lang="hu-HU"/>
           </a:p>
@@ -2358,7 +2364,7 @@
           <a:p>
             <a:fld id="{E4A3C1E0-FAC8-41A4-85FD-2F7F2B91EDF1}" type="datetimeFigureOut">
               <a:rPr lang="hu-HU" smtClean="0"/>
-              <a:t>2022.09.12.</a:t>
+              <a:t>2022.09.13.</a:t>
             </a:fld>
             <a:endParaRPr lang="hu-HU"/>
           </a:p>
@@ -2571,7 +2577,7 @@
           <a:p>
             <a:fld id="{E4A3C1E0-FAC8-41A4-85FD-2F7F2B91EDF1}" type="datetimeFigureOut">
               <a:rPr lang="hu-HU" smtClean="0"/>
-              <a:t>2022.09.12.</a:t>
+              <a:t>2022.09.13.</a:t>
             </a:fld>
             <a:endParaRPr lang="hu-HU"/>
           </a:p>
@@ -3067,7 +3073,22 @@
           <a:bodyPr/>
           <a:lstStyle/>
           <a:p>
-            <a:endParaRPr lang="hu-HU"/>
+            <a:r>
+              <a:rPr lang="hu-HU" b="1" dirty="0" smtClean="0"/>
+              <a:t>távérzékelés</a:t>
+            </a:r>
+            <a:br>
+              <a:rPr lang="hu-HU" b="1" dirty="0" smtClean="0"/>
+            </a:br>
+            <a:r>
+              <a:rPr lang="hu-HU" sz="3600" b="1" dirty="0" smtClean="0"/>
+              <a:t> </a:t>
+            </a:r>
+            <a:r>
+              <a:rPr lang="hu-HU" sz="3600" b="1" dirty="0" err="1" smtClean="0"/>
+              <a:t>drónok</a:t>
+            </a:r>
+            <a:endParaRPr lang="hu-HU" sz="3600" dirty="0"/>
           </a:p>
         </p:txBody>
       </p:sp>
@@ -3086,14 +3107,65 @@
           <a:bodyPr/>
           <a:lstStyle/>
           <a:p>
-            <a:endParaRPr lang="hu-HU"/>
+            <a:r>
+              <a:rPr lang="hu-HU" dirty="0" err="1" smtClean="0"/>
+              <a:t>drónok</a:t>
+            </a:r>
+            <a:r>
+              <a:rPr lang="hu-HU" dirty="0"/>
+              <a:t>,</a:t>
+            </a:r>
+            <a:r>
+              <a:rPr lang="hu-HU" dirty="0" smtClean="0"/>
+              <a:t> </a:t>
+            </a:r>
+            <a:r>
+              <a:rPr lang="hu-HU" dirty="0"/>
+              <a:t>GPS rendszerek </a:t>
+            </a:r>
+            <a:r>
+              <a:rPr lang="hu-HU" dirty="0" smtClean="0"/>
+              <a:t>megjelenése </a:t>
+            </a:r>
+          </a:p>
+          <a:p>
+            <a:r>
+              <a:rPr lang="hu-HU" dirty="0" smtClean="0"/>
+              <a:t>bázisállomás</a:t>
+            </a:r>
+            <a:endParaRPr lang="hu-HU" dirty="0"/>
+          </a:p>
+          <a:p>
+            <a:pPr lvl="1"/>
+            <a:r>
+              <a:rPr lang="hu-HU" dirty="0"/>
+              <a:t>területek </a:t>
+            </a:r>
+            <a:r>
+              <a:rPr lang="hu-HU" dirty="0" smtClean="0"/>
+              <a:t>felmérése költséghatékonyan</a:t>
+            </a:r>
+            <a:endParaRPr lang="hu-HU" dirty="0"/>
+          </a:p>
+          <a:p>
+            <a:pPr lvl="1"/>
+            <a:r>
+              <a:rPr lang="hu-HU" dirty="0"/>
+              <a:t> 1-2 cm pontosság </a:t>
+            </a:r>
+          </a:p>
+          <a:p>
+            <a:r>
+              <a:rPr lang="hu-HU" dirty="0" smtClean="0"/>
+              <a:t>speciális kamera</a:t>
+            </a:r>
           </a:p>
         </p:txBody>
       </p:sp>
     </p:spTree>
     <p:extLst>
       <p:ext uri="{BB962C8B-B14F-4D97-AF65-F5344CB8AC3E}">
-        <p14:creationId xmlns:p14="http://schemas.microsoft.com/office/powerpoint/2010/main" val="1569070481"/>
+        <p14:creationId xmlns:p14="http://schemas.microsoft.com/office/powerpoint/2010/main" val="3091302941"/>
       </p:ext>
     </p:extLst>
   </p:cSld>
@@ -3135,7 +3207,22 @@
           <a:bodyPr/>
           <a:lstStyle/>
           <a:p>
-            <a:endParaRPr lang="hu-HU"/>
+            <a:r>
+              <a:rPr lang="hu-HU" b="1" dirty="0"/>
+              <a:t>t</a:t>
+            </a:r>
+            <a:r>
+              <a:rPr lang="hu-HU" b="1" dirty="0" smtClean="0"/>
+              <a:t>ávvezérlés</a:t>
+            </a:r>
+            <a:br>
+              <a:rPr lang="hu-HU" b="1" dirty="0" smtClean="0"/>
+            </a:br>
+            <a:r>
+              <a:rPr lang="hu-HU" sz="3600" b="1" dirty="0" smtClean="0"/>
+              <a:t>kiértékelés, adatfeldolgozás</a:t>
+            </a:r>
+            <a:endParaRPr lang="hu-HU" b="1" dirty="0"/>
           </a:p>
         </p:txBody>
       </p:sp>
@@ -3154,14 +3241,75 @@
           <a:bodyPr/>
           <a:lstStyle/>
           <a:p>
-            <a:endParaRPr lang="hu-HU"/>
+            <a:r>
+              <a:rPr lang="hu-HU" dirty="0"/>
+              <a:t>Kiértékelés</a:t>
+            </a:r>
+          </a:p>
+          <a:p>
+            <a:pPr lvl="1"/>
+            <a:r>
+              <a:rPr lang="hu-HU" dirty="0"/>
+              <a:t>egyedi szoftverekkel</a:t>
+            </a:r>
+          </a:p>
+          <a:p>
+            <a:pPr lvl="1"/>
+            <a:r>
+              <a:rPr lang="hu-HU" dirty="0" err="1"/>
+              <a:t>Cloud</a:t>
+            </a:r>
+            <a:r>
+              <a:rPr lang="hu-HU" dirty="0"/>
+              <a:t> alapú rendszerekkel- </a:t>
+            </a:r>
+            <a:r>
+              <a:rPr lang="hu-HU" dirty="0" err="1"/>
+              <a:t>big</a:t>
+            </a:r>
+            <a:r>
+              <a:rPr lang="hu-HU" dirty="0"/>
+              <a:t> </a:t>
+            </a:r>
+            <a:r>
+              <a:rPr lang="hu-HU" dirty="0" err="1"/>
+              <a:t>data</a:t>
+            </a:r>
+            <a:r>
+              <a:rPr lang="hu-HU" dirty="0"/>
+              <a:t>, öntanuló rendszerek</a:t>
+            </a:r>
+          </a:p>
+          <a:p>
+            <a:r>
+              <a:rPr lang="hu-HU" dirty="0"/>
+              <a:t>agrár környezetinformatikai és a természetvédelmi- </a:t>
+            </a:r>
+            <a:r>
+              <a:rPr lang="hu-HU" dirty="0" smtClean="0"/>
+              <a:t>interfész</a:t>
+            </a:r>
+          </a:p>
+          <a:p>
+            <a:r>
+              <a:rPr lang="hu-HU" dirty="0" err="1" smtClean="0"/>
+              <a:t>geoszerver</a:t>
+            </a:r>
+            <a:endParaRPr lang="hu-HU" dirty="0" smtClean="0"/>
+          </a:p>
+          <a:p>
+            <a:r>
+              <a:rPr lang="hu-HU" dirty="0"/>
+              <a:t>központi számítógép</a:t>
+            </a:r>
+            <a:endParaRPr lang="hu-HU" dirty="0"/>
           </a:p>
         </p:txBody>
       </p:sp>
     </p:spTree>
     <p:extLst>
       <p:ext uri="{BB962C8B-B14F-4D97-AF65-F5344CB8AC3E}">
-        <p14:creationId xmlns:p14="http://schemas.microsoft.com/office/powerpoint/2010/main" val="1266861064"/>
+        <p14:creationId xmlns:p14="http://schemas.microsoft.com/office/powerpoint/2010/main" val="1569070481"/>
       </p:ext>
     </p:extLst>
   </p:cSld>
@@ -3198,6 +3346,122 @@
             <p:ph type="title"/>
           </p:nvPr>
         </p:nvSpPr>
+        <p:spPr/>
+        <p:txBody>
+          <a:bodyPr/>
+          <a:lstStyle/>
+          <a:p>
+            <a:r>
+              <a:rPr lang="hu-HU" dirty="0" smtClean="0"/>
+              <a:t>Kedvenc </a:t>
+            </a:r>
+            <a:r>
+              <a:rPr lang="hu-HU" dirty="0" err="1" smtClean="0"/>
+              <a:t>vidik</a:t>
+            </a:r>
+            <a:r>
+              <a:rPr lang="hu-HU" dirty="0" smtClean="0"/>
+              <a:t> ;)</a:t>
+            </a:r>
+            <a:endParaRPr lang="hu-HU" dirty="0"/>
+          </a:p>
+        </p:txBody>
+      </p:sp>
+      <p:sp>
+        <p:nvSpPr>
+          <p:cNvPr id="3" name="Tartalom helye 2"/>
+          <p:cNvSpPr>
+            <a:spLocks noGrp="1"/>
+          </p:cNvSpPr>
+          <p:nvPr>
+            <p:ph idx="1"/>
+          </p:nvPr>
+        </p:nvSpPr>
+        <p:spPr/>
+        <p:txBody>
+          <a:bodyPr/>
+          <a:lstStyle/>
+          <a:p>
+            <a:r>
+              <a:rPr lang="hu-HU" dirty="0">
+                <a:hlinkClick r:id="rId2"/>
+              </a:rPr>
+              <a:t>https://</a:t>
+            </a:r>
+            <a:r>
+              <a:rPr lang="hu-HU" dirty="0" smtClean="0">
+                <a:hlinkClick r:id="rId2"/>
+              </a:rPr>
+              <a:t>www.youtube.com/watch?v=xMt2mgYFwVc</a:t>
+            </a:r>
+            <a:endParaRPr lang="hu-HU" dirty="0" smtClean="0"/>
+          </a:p>
+          <a:p>
+            <a:r>
+              <a:rPr lang="hu-HU" dirty="0">
+                <a:hlinkClick r:id="rId3"/>
+              </a:rPr>
+              <a:t>https://www.youtube.com/watch?v=-</a:t>
+            </a:r>
+            <a:r>
+              <a:rPr lang="hu-HU" dirty="0" smtClean="0">
+                <a:hlinkClick r:id="rId3"/>
+              </a:rPr>
+              <a:t>B7JRhF92xA</a:t>
+            </a:r>
+            <a:endParaRPr lang="hu-HU" dirty="0" smtClean="0"/>
+          </a:p>
+          <a:p>
+            <a:r>
+              <a:rPr lang="hu-HU" dirty="0"/>
+              <a:t>https://www.youtube.com/watch?v=zzJmDwg3we0</a:t>
+            </a:r>
+          </a:p>
+          <a:p>
+            <a:endParaRPr lang="hu-HU" dirty="0"/>
+          </a:p>
+        </p:txBody>
+      </p:sp>
+    </p:spTree>
+    <p:extLst>
+      <p:ext uri="{BB962C8B-B14F-4D97-AF65-F5344CB8AC3E}">
+        <p14:creationId xmlns:p14="http://schemas.microsoft.com/office/powerpoint/2010/main" val="1266861064"/>
+      </p:ext>
+    </p:extLst>
+  </p:cSld>
+  <p:clrMapOvr>
+    <a:masterClrMapping/>
+  </p:clrMapOvr>
+</p:sld>
+</file>
+
+<file path=ppt/slides/slide13.xml><?xml version="1.0" encoding="utf-8"?>
+<p:sld xmlns:a="http://schemas.openxmlformats.org/drawingml/2006/main" xmlns:r="http://schemas.openxmlformats.org/officeDocument/2006/relationships" xmlns:p="http://schemas.openxmlformats.org/presentationml/2006/main">
+  <p:cSld>
+    <p:spTree>
+      <p:nvGrpSpPr>
+        <p:cNvPr id="1" name=""/>
+        <p:cNvGrpSpPr/>
+        <p:nvPr/>
+      </p:nvGrpSpPr>
+      <p:grpSpPr>
+        <a:xfrm>
+          <a:off x="0" y="0"/>
+          <a:ext cx="0" cy="0"/>
+          <a:chOff x="0" y="0"/>
+          <a:chExt cx="0" cy="0"/>
+        </a:xfrm>
+      </p:grpSpPr>
+      <p:sp>
+        <p:nvSpPr>
+          <p:cNvPr id="2" name="Cím 1"/>
+          <p:cNvSpPr>
+            <a:spLocks noGrp="1"/>
+          </p:cNvSpPr>
+          <p:nvPr>
+            <p:ph type="title"/>
+          </p:nvPr>
+        </p:nvSpPr>
         <p:spPr>
           <a:xfrm>
             <a:off x="825500" y="2333625"/>
@@ -3230,7 +3494,7 @@
 </p:sld>
 </file>
 
-<file path=ppt/slides/slide13.xml><?xml version="1.0" encoding="utf-8"?>
+<file path=ppt/slides/slide14.xml><?xml version="1.0" encoding="utf-8"?>
 <p:sld xmlns:a="http://schemas.openxmlformats.org/drawingml/2006/main" xmlns:r="http://schemas.openxmlformats.org/officeDocument/2006/relationships" xmlns:p="http://schemas.openxmlformats.org/presentationml/2006/main">
   <p:cSld>
     <p:spTree>
@@ -3412,7 +3676,79 @@
           <a:bodyPr/>
           <a:lstStyle/>
           <a:p>
-            <a:endParaRPr lang="hu-HU"/>
+            <a:r>
+              <a:rPr lang="hu-HU" dirty="0"/>
+              <a:t>Mit jelent</a:t>
+            </a:r>
+            <a:r>
+              <a:rPr lang="hu-HU" dirty="0" smtClean="0"/>
+              <a:t>?</a:t>
+            </a:r>
+          </a:p>
+          <a:p>
+            <a:r>
+              <a:rPr lang="hu-HU" dirty="0"/>
+              <a:t>magas szintű </a:t>
+            </a:r>
+            <a:r>
+              <a:rPr lang="hu-HU" dirty="0" smtClean="0"/>
+              <a:t>adatkommunikáció, BigData, mesterséges intelligencia, </a:t>
+            </a:r>
+            <a:r>
+              <a:rPr lang="hu-HU" dirty="0" err="1" smtClean="0"/>
+              <a:t>automatizáció</a:t>
+            </a:r>
+            <a:r>
+              <a:rPr lang="hu-HU" dirty="0" smtClean="0"/>
+              <a:t> </a:t>
+            </a:r>
+            <a:r>
+              <a:rPr lang="hu-HU" dirty="0" err="1" smtClean="0"/>
+              <a:t>stb</a:t>
+            </a:r>
+            <a:r>
+              <a:rPr lang="hu-HU" dirty="0" smtClean="0"/>
+              <a:t>… </a:t>
+            </a:r>
+          </a:p>
+          <a:p>
+            <a:r>
+              <a:rPr lang="hu-HU" dirty="0" smtClean="0"/>
+              <a:t>IT </a:t>
+            </a:r>
+            <a:r>
+              <a:rPr lang="hu-HU" dirty="0"/>
+              <a:t>jelen van a munkafolyamat minden </a:t>
+            </a:r>
+            <a:r>
+              <a:rPr lang="hu-HU" dirty="0" smtClean="0"/>
+              <a:t>fázisában</a:t>
+            </a:r>
+          </a:p>
+          <a:p>
+            <a:r>
+              <a:rPr lang="hu-HU" dirty="0" smtClean="0"/>
+              <a:t>Állattartásban</a:t>
+            </a:r>
+          </a:p>
+          <a:p>
+            <a:r>
+              <a:rPr lang="hu-HU" dirty="0" smtClean="0"/>
+              <a:t>Növénytermesztésben</a:t>
+            </a:r>
+            <a:endParaRPr lang="hu-HU" dirty="0"/>
+          </a:p>
+          <a:p>
+            <a:r>
+              <a:rPr lang="hu-HU" dirty="0" smtClean="0"/>
+              <a:t>Kertészetben</a:t>
+            </a:r>
+          </a:p>
+          <a:p>
+            <a:r>
+              <a:rPr lang="hu-HU" dirty="0" smtClean="0"/>
+              <a:t>Vadgazdálkodásban</a:t>
+            </a:r>
           </a:p>
         </p:txBody>
       </p:sp>
@@ -3479,12 +3815,44 @@
             <p:ph idx="1"/>
           </p:nvPr>
         </p:nvSpPr>
-        <p:spPr/>
-        <p:txBody>
-          <a:bodyPr/>
-          <a:lstStyle/>
-          <a:p>
-            <a:endParaRPr lang="hu-HU"/>
+        <p:spPr>
+          <a:xfrm>
+            <a:off x="838200" y="1825625"/>
+            <a:ext cx="4229100" cy="4351338"/>
+          </a:xfrm>
+        </p:spPr>
+        <p:txBody>
+          <a:bodyPr/>
+          <a:lstStyle/>
+          <a:p>
+            <a:r>
+              <a:rPr lang="hu-HU" dirty="0" smtClean="0"/>
+              <a:t>könnyebb, szabadabb, stresszmentesebb munkavégzés</a:t>
+            </a:r>
+          </a:p>
+          <a:p>
+            <a:r>
+              <a:rPr lang="hu-HU" dirty="0" smtClean="0"/>
+              <a:t>Innovációk</a:t>
+            </a:r>
+          </a:p>
+          <a:p>
+            <a:r>
+              <a:rPr lang="hu-HU" dirty="0" smtClean="0"/>
+              <a:t>Haszon növekedés</a:t>
+            </a:r>
+          </a:p>
+          <a:p>
+            <a:r>
+              <a:rPr lang="hu-HU" dirty="0" smtClean="0"/>
+              <a:t>Fenntarthatóbb</a:t>
+            </a:r>
+          </a:p>
+          <a:p>
+            <a:endParaRPr lang="hu-HU" dirty="0" smtClean="0"/>
+          </a:p>
+          <a:p>
+            <a:endParaRPr lang="hu-HU" dirty="0"/>
           </a:p>
         </p:txBody>
       </p:sp>
@@ -3535,7 +3903,7 @@
           <a:p>
             <a:r>
               <a:rPr lang="hu-HU" dirty="0" smtClean="0"/>
-              <a:t>előnyök</a:t>
+              <a:t>megvalósítás</a:t>
             </a:r>
             <a:endParaRPr lang="hu-HU" dirty="0"/>
           </a:p>
@@ -3556,7 +3924,59 @@
           <a:bodyPr/>
           <a:lstStyle/>
           <a:p>
-            <a:endParaRPr lang="hu-HU"/>
+            <a:r>
+              <a:rPr lang="hu-HU" dirty="0"/>
+              <a:t>fejlesztéssel párhuzamos oktatás és tudásanyag </a:t>
+            </a:r>
+            <a:r>
+              <a:rPr lang="hu-HU" dirty="0" smtClean="0"/>
+              <a:t>átadás</a:t>
+            </a:r>
+          </a:p>
+          <a:p>
+            <a:r>
+              <a:rPr lang="hu-HU" dirty="0" err="1" smtClean="0"/>
+              <a:t>Folymatos</a:t>
+            </a:r>
+            <a:r>
+              <a:rPr lang="hu-HU" dirty="0" smtClean="0"/>
+              <a:t> haladás</a:t>
+            </a:r>
+          </a:p>
+          <a:p>
+            <a:r>
+              <a:rPr lang="hu-HU" dirty="0"/>
+              <a:t>Felügyeleti rendszer</a:t>
+            </a:r>
+          </a:p>
+          <a:p>
+            <a:pPr lvl="1"/>
+            <a:r>
+              <a:rPr lang="hu-HU" dirty="0" smtClean="0"/>
+              <a:t>Munkaerőhiány ellen</a:t>
+            </a:r>
+          </a:p>
+          <a:p>
+            <a:pPr lvl="1"/>
+            <a:r>
+              <a:rPr lang="hu-HU" dirty="0" smtClean="0"/>
+              <a:t>Állatjólléti vagy gazdasági szabályok </a:t>
+            </a:r>
+          </a:p>
+          <a:p>
+            <a:r>
+              <a:rPr lang="hu-HU" dirty="0" smtClean="0"/>
+              <a:t>A dolgozókért, nem ellenük</a:t>
+            </a:r>
+            <a:endParaRPr lang="hu-HU" dirty="0" smtClean="0"/>
+          </a:p>
+          <a:p>
+            <a:pPr lvl="1"/>
+            <a:endParaRPr lang="hu-HU" dirty="0" smtClean="0"/>
+          </a:p>
+          <a:p>
+            <a:pPr lvl="1"/>
+            <a:endParaRPr lang="hu-HU" dirty="0"/>
           </a:p>
         </p:txBody>
       </p:sp>
@@ -3632,7 +4052,55 @@
           <a:bodyPr/>
           <a:lstStyle/>
           <a:p>
-            <a:endParaRPr lang="hu-HU"/>
+            <a:r>
+              <a:rPr lang="hu-HU" dirty="0"/>
+              <a:t>m</a:t>
+            </a:r>
+            <a:r>
+              <a:rPr lang="hu-HU" dirty="0" smtClean="0"/>
+              <a:t>ár nem csak az irodákban</a:t>
+            </a:r>
+          </a:p>
+          <a:p>
+            <a:r>
+              <a:rPr lang="hu-HU" dirty="0" smtClean="0"/>
+              <a:t>mobileszközök elterjedése</a:t>
+            </a:r>
+          </a:p>
+          <a:p>
+            <a:r>
+              <a:rPr lang="hu-HU" dirty="0"/>
+              <a:t>nem jellemző a saját IT </a:t>
+            </a:r>
+            <a:r>
+              <a:rPr lang="hu-HU" dirty="0" smtClean="0"/>
+              <a:t>szakember</a:t>
+            </a:r>
+          </a:p>
+          <a:p>
+            <a:r>
+              <a:rPr lang="hu-HU" dirty="0"/>
+              <a:t>plusz </a:t>
+            </a:r>
+            <a:r>
+              <a:rPr lang="hu-HU" dirty="0" err="1"/>
+              <a:t>terhektől</a:t>
+            </a:r>
+            <a:r>
+              <a:rPr lang="hu-HU" dirty="0"/>
+              <a:t> szabadul meg a </a:t>
+            </a:r>
+            <a:r>
+              <a:rPr lang="hu-HU" dirty="0" smtClean="0"/>
+              <a:t>vállalkozás</a:t>
+            </a:r>
+          </a:p>
+          <a:p>
+            <a:r>
+              <a:rPr lang="hu-HU" dirty="0"/>
+              <a:t>már a termőterületen azonosítható a probléma</a:t>
+            </a:r>
+            <a:endParaRPr lang="hu-HU" dirty="0"/>
           </a:p>
         </p:txBody>
       </p:sp>
@@ -3704,7 +4172,33 @@
           <a:bodyPr/>
           <a:lstStyle/>
           <a:p>
-            <a:endParaRPr lang="hu-HU"/>
+            <a:r>
+              <a:rPr lang="hu-HU" dirty="0" smtClean="0"/>
+              <a:t>Felmérések segítségével</a:t>
+            </a:r>
+          </a:p>
+          <a:p>
+            <a:r>
+              <a:rPr lang="hu-HU" dirty="0" smtClean="0"/>
+              <a:t>termelés hatékonyságának növelése</a:t>
+            </a:r>
+          </a:p>
+          <a:p>
+            <a:r>
+              <a:rPr lang="hu-HU" dirty="0"/>
+              <a:t>környezetre gyakorolt </a:t>
+            </a:r>
+            <a:r>
+              <a:rPr lang="hu-HU" dirty="0" smtClean="0"/>
+              <a:t>hatása kedvező</a:t>
+            </a:r>
+          </a:p>
+          <a:p>
+            <a:r>
+              <a:rPr lang="hu-HU" dirty="0" smtClean="0"/>
+              <a:t>időtakarékos</a:t>
+            </a:r>
+            <a:endParaRPr lang="hu-HU" dirty="0"/>
           </a:p>
         </p:txBody>
       </p:sp>
@@ -3776,7 +4270,32 @@
           <a:bodyPr/>
           <a:lstStyle/>
           <a:p>
-            <a:endParaRPr lang="hu-HU"/>
+            <a:r>
+              <a:rPr lang="hu-HU" dirty="0" smtClean="0"/>
+              <a:t>„3D </a:t>
+            </a:r>
+            <a:r>
+              <a:rPr lang="hu-HU" dirty="0"/>
+              <a:t>látás</a:t>
+            </a:r>
+            <a:r>
+              <a:rPr lang="hu-HU" dirty="0" smtClean="0"/>
+              <a:t>”</a:t>
+            </a:r>
+          </a:p>
+          <a:p>
+            <a:endParaRPr lang="hu-HU" dirty="0" smtClean="0"/>
+          </a:p>
+          <a:p>
+            <a:pPr lvl="1">
+              <a:buFont typeface="Courier New" panose="02070309020205020404" pitchFamily="49" charset="0"/>
+              <a:buChar char="o"/>
+            </a:pPr>
+            <a:endParaRPr lang="hu-HU" dirty="0" smtClean="0"/>
+          </a:p>
+          <a:p>
+            <a:pPr lvl="1"/>
+            <a:endParaRPr lang="hu-HU" dirty="0"/>
           </a:p>
         </p:txBody>
       </p:sp>
@@ -3843,12 +4362,82 @@
             <p:ph idx="1"/>
           </p:nvPr>
         </p:nvSpPr>
-        <p:spPr/>
-        <p:txBody>
-          <a:bodyPr/>
-          <a:lstStyle/>
-          <a:p>
-            <a:endParaRPr lang="hu-HU"/>
+        <p:spPr>
+          <a:xfrm>
+            <a:off x="838200" y="1825625"/>
+            <a:ext cx="5905500" cy="4351338"/>
+          </a:xfrm>
+        </p:spPr>
+        <p:txBody>
+          <a:bodyPr/>
+          <a:lstStyle/>
+          <a:p>
+            <a:r>
+              <a:rPr lang="hu-HU" dirty="0"/>
+              <a:t>hatékonyság növelése</a:t>
+            </a:r>
+            <a:r>
+              <a:rPr lang="hu-HU" dirty="0" smtClean="0"/>
+              <a:t>, </a:t>
+            </a:r>
+            <a:r>
+              <a:rPr lang="hu-HU" dirty="0"/>
+              <a:t>károk </a:t>
+            </a:r>
+            <a:r>
+              <a:rPr lang="hu-HU" dirty="0" smtClean="0"/>
+              <a:t>csökkentése		</a:t>
+            </a:r>
+            <a:r>
+              <a:rPr lang="hu-HU" dirty="0"/>
+              <a:t>távérzékelés és </a:t>
+            </a:r>
+            <a:r>
+              <a:rPr lang="hu-HU" dirty="0" smtClean="0"/>
+              <a:t>precíziós </a:t>
+            </a:r>
+            <a:r>
+              <a:rPr lang="hu-HU" dirty="0"/>
+              <a:t>technológiák </a:t>
+            </a:r>
+            <a:r>
+              <a:rPr lang="hu-HU" dirty="0" smtClean="0"/>
+              <a:t>használata</a:t>
+            </a:r>
+          </a:p>
+          <a:p>
+            <a:r>
+              <a:rPr lang="hu-HU" dirty="0"/>
+              <a:t>tápanyaghiány </a:t>
+            </a:r>
+            <a:r>
+              <a:rPr lang="hu-HU" dirty="0" smtClean="0"/>
+              <a:t>megállapítása,</a:t>
+            </a:r>
+            <a:r>
+              <a:rPr lang="hu-HU" dirty="0"/>
+              <a:t> magasabb hozam </a:t>
+            </a:r>
+            <a:r>
+              <a:rPr lang="hu-HU" dirty="0" smtClean="0"/>
+              <a:t>elérése-</a:t>
+            </a:r>
+            <a:r>
+              <a:rPr lang="hu-HU" dirty="0"/>
+              <a:t>környezeti </a:t>
+            </a:r>
+            <a:r>
+              <a:rPr lang="hu-HU" dirty="0" smtClean="0"/>
+              <a:t>terhelések </a:t>
+            </a:r>
+            <a:r>
+              <a:rPr lang="hu-HU" dirty="0" err="1" smtClean="0"/>
+              <a:t>csökkentese</a:t>
+            </a:r>
+            <a:endParaRPr lang="hu-HU" dirty="0" smtClean="0"/>
+          </a:p>
+          <a:p>
+            <a:endParaRPr lang="hu-HU" dirty="0" smtClean="0"/>
           </a:p>
         </p:txBody>
       </p:sp>
@@ -3916,14 +4505,33 @@
           <a:bodyPr/>
           <a:lstStyle/>
           <a:p>
-            <a:endParaRPr lang="hu-HU"/>
+            <a:r>
+              <a:rPr lang="hu-HU" dirty="0"/>
+              <a:t>alapja az elektromágneses sugárzás</a:t>
+            </a:r>
+          </a:p>
+          <a:p>
+            <a:pPr lvl="1"/>
+            <a:r>
+              <a:rPr lang="hu-HU" dirty="0"/>
+              <a:t>„spektrális ujjlenyomat”</a:t>
+            </a:r>
+          </a:p>
+          <a:p>
+            <a:r>
+              <a:rPr lang="hu-HU" dirty="0"/>
+              <a:t>már régóta létezik</a:t>
+            </a:r>
+          </a:p>
+          <a:p>
+            <a:endParaRPr lang="hu-HU" dirty="0"/>
           </a:p>
         </p:txBody>
       </p:sp>
     </p:spTree>
     <p:extLst>
       <p:ext uri="{BB962C8B-B14F-4D97-AF65-F5344CB8AC3E}">
-        <p14:creationId xmlns:p14="http://schemas.microsoft.com/office/powerpoint/2010/main" val="3091302941"/>
+        <p14:creationId xmlns:p14="http://schemas.microsoft.com/office/powerpoint/2010/main" val="1956301099"/>
       </p:ext>
     </p:extLst>
   </p:cSld>
